--- a/150 - Angels we Have Heard on High.pptx
+++ b/150 - Angels we Have Heard on High.pptx
@@ -114,10 +114,6 @@
 </p:presentation>
 </file>
 
-<file path=ppt/revisionInfo.xml><?xml version="1.0" encoding="utf-8"?>
-<p1510:revInfo xmlns:a="http://schemas.openxmlformats.org/drawingml/2006/main" xmlns:r="http://schemas.openxmlformats.org/officeDocument/2006/relationships" xmlns:p1510="http://schemas.microsoft.com/office/powerpoint/2015/10/main"/>
-</file>
-
 <file path=ppt/slideLayouts/slideLayout1.xml><?xml version="1.0" encoding="utf-8"?>
 <p:sldLayout xmlns:a="http://schemas.openxmlformats.org/drawingml/2006/main" xmlns:r="http://schemas.openxmlformats.org/officeDocument/2006/relationships" xmlns:p="http://schemas.openxmlformats.org/presentationml/2006/main" type="title" preserve="1">
   <p:cSld name="Title Slide">
@@ -247,7 +243,7 @@
           <a:p>
             <a:fld id="{32F7251A-AE54-443C-B8FE-5F636E835EBF}" type="datetimeFigureOut">
               <a:rPr lang="en-US" smtClean="0"/>
-              <a:t>12/3/2017</a:t>
+              <a:t>12/1/2019</a:t>
             </a:fld>
             <a:endParaRPr lang="en-US"/>
           </a:p>
@@ -415,7 +411,7 @@
           <a:p>
             <a:fld id="{32F7251A-AE54-443C-B8FE-5F636E835EBF}" type="datetimeFigureOut">
               <a:rPr lang="en-US" smtClean="0"/>
-              <a:t>12/3/2017</a:t>
+              <a:t>12/1/2019</a:t>
             </a:fld>
             <a:endParaRPr lang="en-US"/>
           </a:p>
@@ -593,7 +589,7 @@
           <a:p>
             <a:fld id="{32F7251A-AE54-443C-B8FE-5F636E835EBF}" type="datetimeFigureOut">
               <a:rPr lang="en-US" smtClean="0"/>
-              <a:t>12/3/2017</a:t>
+              <a:t>12/1/2019</a:t>
             </a:fld>
             <a:endParaRPr lang="en-US"/>
           </a:p>
@@ -761,7 +757,7 @@
           <a:p>
             <a:fld id="{32F7251A-AE54-443C-B8FE-5F636E835EBF}" type="datetimeFigureOut">
               <a:rPr lang="en-US" smtClean="0"/>
-              <a:t>12/3/2017</a:t>
+              <a:t>12/1/2019</a:t>
             </a:fld>
             <a:endParaRPr lang="en-US"/>
           </a:p>
@@ -1006,7 +1002,7 @@
           <a:p>
             <a:fld id="{32F7251A-AE54-443C-B8FE-5F636E835EBF}" type="datetimeFigureOut">
               <a:rPr lang="en-US" smtClean="0"/>
-              <a:t>12/3/2017</a:t>
+              <a:t>12/1/2019</a:t>
             </a:fld>
             <a:endParaRPr lang="en-US"/>
           </a:p>
@@ -1235,7 +1231,7 @@
           <a:p>
             <a:fld id="{32F7251A-AE54-443C-B8FE-5F636E835EBF}" type="datetimeFigureOut">
               <a:rPr lang="en-US" smtClean="0"/>
-              <a:t>12/3/2017</a:t>
+              <a:t>12/1/2019</a:t>
             </a:fld>
             <a:endParaRPr lang="en-US"/>
           </a:p>
@@ -1599,7 +1595,7 @@
           <a:p>
             <a:fld id="{32F7251A-AE54-443C-B8FE-5F636E835EBF}" type="datetimeFigureOut">
               <a:rPr lang="en-US" smtClean="0"/>
-              <a:t>12/3/2017</a:t>
+              <a:t>12/1/2019</a:t>
             </a:fld>
             <a:endParaRPr lang="en-US"/>
           </a:p>
@@ -1716,7 +1712,7 @@
           <a:p>
             <a:fld id="{32F7251A-AE54-443C-B8FE-5F636E835EBF}" type="datetimeFigureOut">
               <a:rPr lang="en-US" smtClean="0"/>
-              <a:t>12/3/2017</a:t>
+              <a:t>12/1/2019</a:t>
             </a:fld>
             <a:endParaRPr lang="en-US"/>
           </a:p>
@@ -1811,7 +1807,7 @@
           <a:p>
             <a:fld id="{32F7251A-AE54-443C-B8FE-5F636E835EBF}" type="datetimeFigureOut">
               <a:rPr lang="en-US" smtClean="0"/>
-              <a:t>12/3/2017</a:t>
+              <a:t>12/1/2019</a:t>
             </a:fld>
             <a:endParaRPr lang="en-US"/>
           </a:p>
@@ -2086,7 +2082,7 @@
           <a:p>
             <a:fld id="{32F7251A-AE54-443C-B8FE-5F636E835EBF}" type="datetimeFigureOut">
               <a:rPr lang="en-US" smtClean="0"/>
-              <a:t>12/3/2017</a:t>
+              <a:t>12/1/2019</a:t>
             </a:fld>
             <a:endParaRPr lang="en-US"/>
           </a:p>
@@ -2338,7 +2334,7 @@
           <a:p>
             <a:fld id="{32F7251A-AE54-443C-B8FE-5F636E835EBF}" type="datetimeFigureOut">
               <a:rPr lang="en-US" smtClean="0"/>
-              <a:t>12/3/2017</a:t>
+              <a:t>12/1/2019</a:t>
             </a:fld>
             <a:endParaRPr lang="en-US"/>
           </a:p>
@@ -2405,7 +2401,9 @@
     <p:bg>
       <p:bgPr>
         <a:solidFill>
-          <a:srgbClr val="333333"/>
+          <a:schemeClr val="bg1">
+            <a:lumMod val="10000"/>
+          </a:schemeClr>
         </a:solidFill>
         <a:effectLst/>
       </p:bgPr>
@@ -2552,7 +2550,7 @@
           <a:p>
             <a:fld id="{32F7251A-AE54-443C-B8FE-5F636E835EBF}" type="datetimeFigureOut">
               <a:rPr lang="en-US" smtClean="0"/>
-              <a:t>12/3/2017</a:t>
+              <a:t>12/1/2019</a:t>
             </a:fld>
             <a:endParaRPr lang="en-US"/>
           </a:p>
@@ -3022,8 +3020,8 @@
         </p:nvSpPr>
         <p:spPr>
           <a:xfrm>
-            <a:off x="0" y="5804209"/>
-            <a:ext cx="12192000" cy="830997"/>
+            <a:off x="0" y="5927320"/>
+            <a:ext cx="12192000" cy="584775"/>
           </a:xfrm>
           <a:prstGeom prst="rect">
             <a:avLst/>
@@ -3038,10 +3036,12 @@
           <a:p>
             <a:pPr algn="ctr"/>
             <a:r>
-              <a:rPr lang="en-US" sz="4800" dirty="0">
+              <a:rPr lang="en-US" sz="3200" u="sng" dirty="0">
                 <a:solidFill>
                   <a:schemeClr val="bg1"/>
                 </a:solidFill>
+                <a:latin typeface="Assistant SemiBold" panose="00000700000000000000" pitchFamily="2" charset="-79"/>
+                <a:cs typeface="Assistant SemiBold" panose="00000700000000000000" pitchFamily="2" charset="-79"/>
               </a:rPr>
               <a:t>“Angels We Have Heard on High”</a:t>
             </a:r>
@@ -3056,8 +3056,8 @@
         </p:nvSpPr>
         <p:spPr>
           <a:xfrm>
-            <a:off x="0" y="215807"/>
-            <a:ext cx="12192000" cy="5078313"/>
+            <a:off x="0" y="729571"/>
+            <a:ext cx="12192000" cy="3970318"/>
           </a:xfrm>
           <a:prstGeom prst="rect">
             <a:avLst/>
@@ -3072,21 +3072,25 @@
           <a:p>
             <a:pPr algn="ctr"/>
             <a:r>
-              <a:rPr lang="en-US" sz="3600" dirty="0">
+              <a:rPr lang="en-US" sz="2800" spc="50" dirty="0">
                 <a:solidFill>
                   <a:schemeClr val="bg1"/>
                 </a:solidFill>
+                <a:latin typeface="Assistant" panose="00000500000000000000" pitchFamily="2" charset="-79"/>
+                <a:cs typeface="Assistant" panose="00000500000000000000" pitchFamily="2" charset="-79"/>
               </a:rPr>
-              <a:t>Angels we have heard on high</a:t>
+              <a:t>Angels we have heard on high,</a:t>
             </a:r>
           </a:p>
           <a:p>
             <a:pPr algn="ctr"/>
             <a:r>
-              <a:rPr lang="en-US" sz="3600" dirty="0">
+              <a:rPr lang="en-US" sz="2800" spc="50" dirty="0">
                 <a:solidFill>
                   <a:schemeClr val="bg1"/>
                 </a:solidFill>
+                <a:latin typeface="Assistant" panose="00000500000000000000" pitchFamily="2" charset="-79"/>
+                <a:cs typeface="Assistant" panose="00000500000000000000" pitchFamily="2" charset="-79"/>
               </a:rPr>
               <a:t>Sweetly singing o’er the plains;</a:t>
             </a:r>
@@ -3094,10 +3098,12 @@
           <a:p>
             <a:pPr algn="ctr"/>
             <a:r>
-              <a:rPr lang="en-US" sz="3600" dirty="0">
+              <a:rPr lang="en-US" sz="2800" spc="50" dirty="0">
                 <a:solidFill>
                   <a:schemeClr val="bg1"/>
                 </a:solidFill>
+                <a:latin typeface="Assistant" panose="00000500000000000000" pitchFamily="2" charset="-79"/>
+                <a:cs typeface="Assistant" panose="00000500000000000000" pitchFamily="2" charset="-79"/>
               </a:rPr>
               <a:t>And the mountains in reply,</a:t>
             </a:r>
@@ -3105,37 +3111,45 @@
           <a:p>
             <a:pPr algn="ctr"/>
             <a:r>
-              <a:rPr lang="en-US" sz="3600" dirty="0">
+              <a:rPr lang="en-US" sz="2800" spc="50" dirty="0">
                 <a:solidFill>
                   <a:schemeClr val="bg1"/>
                 </a:solidFill>
+                <a:latin typeface="Assistant" panose="00000500000000000000" pitchFamily="2" charset="-79"/>
+                <a:cs typeface="Assistant" panose="00000500000000000000" pitchFamily="2" charset="-79"/>
               </a:rPr>
               <a:t>Echoing their joyous strains.</a:t>
             </a:r>
           </a:p>
           <a:p>
             <a:pPr algn="ctr"/>
-            <a:endParaRPr lang="en-US" sz="3600" dirty="0">
+            <a:endParaRPr lang="en-US" sz="2800" spc="50" dirty="0">
               <a:solidFill>
                 <a:schemeClr val="bg1"/>
               </a:solidFill>
+              <a:latin typeface="Assistant" panose="00000500000000000000" pitchFamily="2" charset="-79"/>
+              <a:cs typeface="Assistant" panose="00000500000000000000" pitchFamily="2" charset="-79"/>
             </a:endParaRPr>
           </a:p>
           <a:p>
             <a:pPr algn="ctr"/>
             <a:r>
-              <a:rPr lang="en-US" sz="3600" dirty="0" err="1">
+              <a:rPr lang="en-US" sz="2800" spc="50" dirty="0" err="1">
                 <a:solidFill>
                   <a:schemeClr val="bg1"/>
                 </a:solidFill>
+                <a:latin typeface="Assistant" panose="00000500000000000000" pitchFamily="2" charset="-79"/>
+                <a:cs typeface="Assistant" panose="00000500000000000000" pitchFamily="2" charset="-79"/>
               </a:rPr>
               <a:t>Glo</a:t>
             </a:r>
             <a:r>
-              <a:rPr lang="en-US" sz="3600" dirty="0">
+              <a:rPr lang="en-US" sz="2800" spc="50" dirty="0">
                 <a:solidFill>
                   <a:schemeClr val="bg1"/>
                 </a:solidFill>
+                <a:latin typeface="Assistant" panose="00000500000000000000" pitchFamily="2" charset="-79"/>
+                <a:cs typeface="Assistant" panose="00000500000000000000" pitchFamily="2" charset="-79"/>
               </a:rPr>
               <a:t>-ria</a:t>
             </a:r>
@@ -3143,10 +3157,12 @@
           <a:p>
             <a:pPr algn="ctr"/>
             <a:r>
-              <a:rPr lang="en-US" sz="3600" dirty="0">
+              <a:rPr lang="en-US" sz="2800" spc="50" dirty="0">
                 <a:solidFill>
                   <a:schemeClr val="bg1"/>
                 </a:solidFill>
+                <a:latin typeface="Assistant" panose="00000500000000000000" pitchFamily="2" charset="-79"/>
+                <a:cs typeface="Assistant" panose="00000500000000000000" pitchFamily="2" charset="-79"/>
               </a:rPr>
               <a:t>in excelsis Deo,</a:t>
             </a:r>
@@ -3154,18 +3170,22 @@
           <a:p>
             <a:pPr algn="ctr"/>
             <a:r>
-              <a:rPr lang="en-US" sz="3600" dirty="0" err="1">
+              <a:rPr lang="en-US" sz="2800" spc="50" dirty="0" err="1">
                 <a:solidFill>
                   <a:schemeClr val="bg1"/>
                 </a:solidFill>
+                <a:latin typeface="Assistant" panose="00000500000000000000" pitchFamily="2" charset="-79"/>
+                <a:cs typeface="Assistant" panose="00000500000000000000" pitchFamily="2" charset="-79"/>
               </a:rPr>
               <a:t>Glo</a:t>
             </a:r>
             <a:r>
-              <a:rPr lang="en-US" sz="3600" dirty="0">
+              <a:rPr lang="en-US" sz="2800" spc="50" dirty="0">
                 <a:solidFill>
                   <a:schemeClr val="bg1"/>
                 </a:solidFill>
+                <a:latin typeface="Assistant" panose="00000500000000000000" pitchFamily="2" charset="-79"/>
+                <a:cs typeface="Assistant" panose="00000500000000000000" pitchFamily="2" charset="-79"/>
               </a:rPr>
               <a:t>-ria</a:t>
             </a:r>
@@ -3173,10 +3193,12 @@
           <a:p>
             <a:pPr algn="ctr"/>
             <a:r>
-              <a:rPr lang="en-US" sz="3600" dirty="0">
+              <a:rPr lang="en-US" sz="2800" spc="50" dirty="0">
                 <a:solidFill>
                   <a:schemeClr val="bg1"/>
                 </a:solidFill>
+                <a:latin typeface="Assistant" panose="00000500000000000000" pitchFamily="2" charset="-79"/>
+                <a:cs typeface="Assistant" panose="00000500000000000000" pitchFamily="2" charset="-79"/>
               </a:rPr>
               <a:t>in excelsis Deo. </a:t>
             </a:r>
@@ -3278,8 +3300,8 @@
         </p:nvSpPr>
         <p:spPr>
           <a:xfrm>
-            <a:off x="0" y="5804209"/>
-            <a:ext cx="12192000" cy="830997"/>
+            <a:off x="0" y="5927320"/>
+            <a:ext cx="12192000" cy="584775"/>
           </a:xfrm>
           <a:prstGeom prst="rect">
             <a:avLst/>
@@ -3294,10 +3316,12 @@
           <a:p>
             <a:pPr algn="ctr"/>
             <a:r>
-              <a:rPr lang="en-US" sz="4800" dirty="0">
+              <a:rPr lang="en-US" sz="3200" u="sng" dirty="0">
                 <a:solidFill>
                   <a:schemeClr val="bg1"/>
                 </a:solidFill>
+                <a:latin typeface="Assistant SemiBold" panose="00000700000000000000" pitchFamily="2" charset="-79"/>
+                <a:cs typeface="Assistant SemiBold" panose="00000700000000000000" pitchFamily="2" charset="-79"/>
               </a:rPr>
               <a:t>“Angels We Have Heard on High”</a:t>
             </a:r>
@@ -3312,8 +3336,8 @@
         </p:nvSpPr>
         <p:spPr>
           <a:xfrm>
-            <a:off x="0" y="215807"/>
-            <a:ext cx="12192000" cy="5078313"/>
+            <a:off x="0" y="729571"/>
+            <a:ext cx="12192000" cy="3970318"/>
           </a:xfrm>
           <a:prstGeom prst="rect">
             <a:avLst/>
@@ -3328,10 +3352,12 @@
           <a:p>
             <a:pPr algn="ctr"/>
             <a:r>
-              <a:rPr lang="en-US" sz="3600" dirty="0">
+              <a:rPr lang="en-US" sz="2800" spc="50" dirty="0">
                 <a:solidFill>
                   <a:schemeClr val="bg1"/>
                 </a:solidFill>
+                <a:latin typeface="Assistant" panose="00000500000000000000" pitchFamily="2" charset="-79"/>
+                <a:cs typeface="Assistant" panose="00000500000000000000" pitchFamily="2" charset="-79"/>
               </a:rPr>
               <a:t>Shepherds, why this jubilee?</a:t>
             </a:r>
@@ -3339,10 +3365,12 @@
           <a:p>
             <a:pPr algn="ctr"/>
             <a:r>
-              <a:rPr lang="en-US" sz="3600" dirty="0">
+              <a:rPr lang="en-US" sz="2800" spc="50" dirty="0">
                 <a:solidFill>
                   <a:schemeClr val="bg1"/>
                 </a:solidFill>
+                <a:latin typeface="Assistant" panose="00000500000000000000" pitchFamily="2" charset="-79"/>
+                <a:cs typeface="Assistant" panose="00000500000000000000" pitchFamily="2" charset="-79"/>
               </a:rPr>
               <a:t>Why your joyous songs prolong?</a:t>
             </a:r>
@@ -3350,10 +3378,12 @@
           <a:p>
             <a:pPr algn="ctr"/>
             <a:r>
-              <a:rPr lang="en-US" sz="3600" dirty="0">
+              <a:rPr lang="en-US" sz="2800" spc="50" dirty="0">
                 <a:solidFill>
                   <a:schemeClr val="bg1"/>
                 </a:solidFill>
+                <a:latin typeface="Assistant" panose="00000500000000000000" pitchFamily="2" charset="-79"/>
+                <a:cs typeface="Assistant" panose="00000500000000000000" pitchFamily="2" charset="-79"/>
               </a:rPr>
               <a:t>What the gladsome tidings be</a:t>
             </a:r>
@@ -3361,37 +3391,45 @@
           <a:p>
             <a:pPr algn="ctr"/>
             <a:r>
-              <a:rPr lang="en-US" sz="3600" dirty="0">
+              <a:rPr lang="en-US" sz="2800" spc="50" dirty="0">
                 <a:solidFill>
                   <a:schemeClr val="bg1"/>
                 </a:solidFill>
+                <a:latin typeface="Assistant" panose="00000500000000000000" pitchFamily="2" charset="-79"/>
+                <a:cs typeface="Assistant" panose="00000500000000000000" pitchFamily="2" charset="-79"/>
               </a:rPr>
               <a:t>Which inspire your heavenly song?</a:t>
             </a:r>
           </a:p>
           <a:p>
             <a:pPr algn="ctr"/>
-            <a:endParaRPr lang="en-US" sz="3600" dirty="0">
+            <a:endParaRPr lang="en-US" sz="2800" spc="50" dirty="0">
               <a:solidFill>
                 <a:schemeClr val="bg1"/>
               </a:solidFill>
+              <a:latin typeface="Assistant" panose="00000500000000000000" pitchFamily="2" charset="-79"/>
+              <a:cs typeface="Assistant" panose="00000500000000000000" pitchFamily="2" charset="-79"/>
             </a:endParaRPr>
           </a:p>
           <a:p>
             <a:pPr algn="ctr"/>
             <a:r>
-              <a:rPr lang="en-US" sz="3600" dirty="0" err="1">
+              <a:rPr lang="en-US" sz="2800" spc="50" dirty="0" err="1">
                 <a:solidFill>
                   <a:schemeClr val="bg1"/>
                 </a:solidFill>
+                <a:latin typeface="Assistant" panose="00000500000000000000" pitchFamily="2" charset="-79"/>
+                <a:cs typeface="Assistant" panose="00000500000000000000" pitchFamily="2" charset="-79"/>
               </a:rPr>
               <a:t>Glo</a:t>
             </a:r>
             <a:r>
-              <a:rPr lang="en-US" sz="3600" dirty="0">
+              <a:rPr lang="en-US" sz="2800" spc="50" dirty="0">
                 <a:solidFill>
                   <a:schemeClr val="bg1"/>
                 </a:solidFill>
+                <a:latin typeface="Assistant" panose="00000500000000000000" pitchFamily="2" charset="-79"/>
+                <a:cs typeface="Assistant" panose="00000500000000000000" pitchFamily="2" charset="-79"/>
               </a:rPr>
               <a:t>-ria</a:t>
             </a:r>
@@ -3399,10 +3437,12 @@
           <a:p>
             <a:pPr algn="ctr"/>
             <a:r>
-              <a:rPr lang="en-US" sz="3600" dirty="0">
+              <a:rPr lang="en-US" sz="2800" spc="50" dirty="0">
                 <a:solidFill>
                   <a:schemeClr val="bg1"/>
                 </a:solidFill>
+                <a:latin typeface="Assistant" panose="00000500000000000000" pitchFamily="2" charset="-79"/>
+                <a:cs typeface="Assistant" panose="00000500000000000000" pitchFamily="2" charset="-79"/>
               </a:rPr>
               <a:t>in excelsis Deo,</a:t>
             </a:r>
@@ -3410,18 +3450,22 @@
           <a:p>
             <a:pPr algn="ctr"/>
             <a:r>
-              <a:rPr lang="en-US" sz="3600" dirty="0" err="1">
+              <a:rPr lang="en-US" sz="2800" spc="50" dirty="0" err="1">
                 <a:solidFill>
                   <a:schemeClr val="bg1"/>
                 </a:solidFill>
+                <a:latin typeface="Assistant" panose="00000500000000000000" pitchFamily="2" charset="-79"/>
+                <a:cs typeface="Assistant" panose="00000500000000000000" pitchFamily="2" charset="-79"/>
               </a:rPr>
               <a:t>Glo</a:t>
             </a:r>
             <a:r>
-              <a:rPr lang="en-US" sz="3600" dirty="0">
+              <a:rPr lang="en-US" sz="2800" spc="50" dirty="0">
                 <a:solidFill>
                   <a:schemeClr val="bg1"/>
                 </a:solidFill>
+                <a:latin typeface="Assistant" panose="00000500000000000000" pitchFamily="2" charset="-79"/>
+                <a:cs typeface="Assistant" panose="00000500000000000000" pitchFamily="2" charset="-79"/>
               </a:rPr>
               <a:t>-ria</a:t>
             </a:r>
@@ -3429,10 +3473,12 @@
           <a:p>
             <a:pPr algn="ctr"/>
             <a:r>
-              <a:rPr lang="en-US" sz="3600" dirty="0">
+              <a:rPr lang="en-US" sz="2800" spc="50" dirty="0">
                 <a:solidFill>
                   <a:schemeClr val="bg1"/>
                 </a:solidFill>
+                <a:latin typeface="Assistant" panose="00000500000000000000" pitchFamily="2" charset="-79"/>
+                <a:cs typeface="Assistant" panose="00000500000000000000" pitchFamily="2" charset="-79"/>
               </a:rPr>
               <a:t>in excelsis Deo. </a:t>
             </a:r>
@@ -3534,8 +3580,8 @@
         </p:nvSpPr>
         <p:spPr>
           <a:xfrm>
-            <a:off x="0" y="5804209"/>
-            <a:ext cx="12192000" cy="830997"/>
+            <a:off x="0" y="5927320"/>
+            <a:ext cx="12192000" cy="584775"/>
           </a:xfrm>
           <a:prstGeom prst="rect">
             <a:avLst/>
@@ -3550,10 +3596,12 @@
           <a:p>
             <a:pPr algn="ctr"/>
             <a:r>
-              <a:rPr lang="en-US" sz="4800" dirty="0">
+              <a:rPr lang="en-US" sz="3200" u="sng" dirty="0">
                 <a:solidFill>
                   <a:schemeClr val="bg1"/>
                 </a:solidFill>
+                <a:latin typeface="Assistant SemiBold" panose="00000700000000000000" pitchFamily="2" charset="-79"/>
+                <a:cs typeface="Assistant SemiBold" panose="00000700000000000000" pitchFamily="2" charset="-79"/>
               </a:rPr>
               <a:t>“Angels We Have Heard on High”</a:t>
             </a:r>
@@ -3568,8 +3616,8 @@
         </p:nvSpPr>
         <p:spPr>
           <a:xfrm>
-            <a:off x="0" y="215807"/>
-            <a:ext cx="12192000" cy="5078313"/>
+            <a:off x="0" y="729571"/>
+            <a:ext cx="12192000" cy="3970318"/>
           </a:xfrm>
           <a:prstGeom prst="rect">
             <a:avLst/>
@@ -3584,10 +3632,12 @@
           <a:p>
             <a:pPr algn="ctr"/>
             <a:r>
-              <a:rPr lang="en-US" sz="3600" dirty="0">
+              <a:rPr lang="en-US" sz="2800" spc="50" dirty="0">
                 <a:solidFill>
                   <a:schemeClr val="bg1"/>
                 </a:solidFill>
+                <a:latin typeface="Assistant" panose="00000500000000000000" pitchFamily="2" charset="-79"/>
+                <a:cs typeface="Assistant" panose="00000500000000000000" pitchFamily="2" charset="-79"/>
               </a:rPr>
               <a:t>Come to Bethlehem, and see</a:t>
             </a:r>
@@ -3595,10 +3645,12 @@
           <a:p>
             <a:pPr algn="ctr"/>
             <a:r>
-              <a:rPr lang="en-US" sz="3600" dirty="0">
+              <a:rPr lang="en-US" sz="2800" spc="50" dirty="0">
                 <a:solidFill>
                   <a:schemeClr val="bg1"/>
                 </a:solidFill>
+                <a:latin typeface="Assistant" panose="00000500000000000000" pitchFamily="2" charset="-79"/>
+                <a:cs typeface="Assistant" panose="00000500000000000000" pitchFamily="2" charset="-79"/>
               </a:rPr>
               <a:t>Him whose birth the angels sing;</a:t>
             </a:r>
@@ -3606,10 +3658,12 @@
           <a:p>
             <a:pPr algn="ctr"/>
             <a:r>
-              <a:rPr lang="en-US" sz="3600" dirty="0">
+              <a:rPr lang="en-US" sz="2800" spc="50" dirty="0">
                 <a:solidFill>
                   <a:schemeClr val="bg1"/>
                 </a:solidFill>
+                <a:latin typeface="Assistant" panose="00000500000000000000" pitchFamily="2" charset="-79"/>
+                <a:cs typeface="Assistant" panose="00000500000000000000" pitchFamily="2" charset="-79"/>
               </a:rPr>
               <a:t>Come adore, on bended knee,</a:t>
             </a:r>
@@ -3617,37 +3671,45 @@
           <a:p>
             <a:pPr algn="ctr"/>
             <a:r>
-              <a:rPr lang="en-US" sz="3600" dirty="0">
+              <a:rPr lang="en-US" sz="2800" spc="50" dirty="0">
                 <a:solidFill>
                   <a:schemeClr val="bg1"/>
                 </a:solidFill>
+                <a:latin typeface="Assistant" panose="00000500000000000000" pitchFamily="2" charset="-79"/>
+                <a:cs typeface="Assistant" panose="00000500000000000000" pitchFamily="2" charset="-79"/>
               </a:rPr>
               <a:t>Christ the Lord, our newborn King.</a:t>
             </a:r>
           </a:p>
           <a:p>
             <a:pPr algn="ctr"/>
-            <a:endParaRPr lang="en-US" sz="3600" dirty="0">
+            <a:endParaRPr lang="en-US" sz="2800" spc="50" dirty="0">
               <a:solidFill>
                 <a:schemeClr val="bg1"/>
               </a:solidFill>
+              <a:latin typeface="Assistant" panose="00000500000000000000" pitchFamily="2" charset="-79"/>
+              <a:cs typeface="Assistant" panose="00000500000000000000" pitchFamily="2" charset="-79"/>
             </a:endParaRPr>
           </a:p>
           <a:p>
             <a:pPr algn="ctr"/>
             <a:r>
-              <a:rPr lang="en-US" sz="3600" dirty="0" err="1">
+              <a:rPr lang="en-US" sz="2800" spc="50" dirty="0" err="1">
                 <a:solidFill>
                   <a:schemeClr val="bg1"/>
                 </a:solidFill>
+                <a:latin typeface="Assistant" panose="00000500000000000000" pitchFamily="2" charset="-79"/>
+                <a:cs typeface="Assistant" panose="00000500000000000000" pitchFamily="2" charset="-79"/>
               </a:rPr>
               <a:t>Glo</a:t>
             </a:r>
             <a:r>
-              <a:rPr lang="en-US" sz="3600" dirty="0">
+              <a:rPr lang="en-US" sz="2800" spc="50" dirty="0">
                 <a:solidFill>
                   <a:schemeClr val="bg1"/>
                 </a:solidFill>
+                <a:latin typeface="Assistant" panose="00000500000000000000" pitchFamily="2" charset="-79"/>
+                <a:cs typeface="Assistant" panose="00000500000000000000" pitchFamily="2" charset="-79"/>
               </a:rPr>
               <a:t>-ria</a:t>
             </a:r>
@@ -3655,10 +3717,12 @@
           <a:p>
             <a:pPr algn="ctr"/>
             <a:r>
-              <a:rPr lang="en-US" sz="3600" dirty="0">
+              <a:rPr lang="en-US" sz="2800" spc="50" dirty="0">
                 <a:solidFill>
                   <a:schemeClr val="bg1"/>
                 </a:solidFill>
+                <a:latin typeface="Assistant" panose="00000500000000000000" pitchFamily="2" charset="-79"/>
+                <a:cs typeface="Assistant" panose="00000500000000000000" pitchFamily="2" charset="-79"/>
               </a:rPr>
               <a:t>in excelsis Deo,</a:t>
             </a:r>
@@ -3666,18 +3730,22 @@
           <a:p>
             <a:pPr algn="ctr"/>
             <a:r>
-              <a:rPr lang="en-US" sz="3600" dirty="0" err="1">
+              <a:rPr lang="en-US" sz="2800" spc="50" dirty="0" err="1">
                 <a:solidFill>
                   <a:schemeClr val="bg1"/>
                 </a:solidFill>
+                <a:latin typeface="Assistant" panose="00000500000000000000" pitchFamily="2" charset="-79"/>
+                <a:cs typeface="Assistant" panose="00000500000000000000" pitchFamily="2" charset="-79"/>
               </a:rPr>
               <a:t>Glo</a:t>
             </a:r>
             <a:r>
-              <a:rPr lang="en-US" sz="3600" dirty="0">
+              <a:rPr lang="en-US" sz="2800" spc="50" dirty="0">
                 <a:solidFill>
                   <a:schemeClr val="bg1"/>
                 </a:solidFill>
+                <a:latin typeface="Assistant" panose="00000500000000000000" pitchFamily="2" charset="-79"/>
+                <a:cs typeface="Assistant" panose="00000500000000000000" pitchFamily="2" charset="-79"/>
               </a:rPr>
               <a:t>-ria</a:t>
             </a:r>
@@ -3685,10 +3753,12 @@
           <a:p>
             <a:pPr algn="ctr"/>
             <a:r>
-              <a:rPr lang="en-US" sz="3600" dirty="0">
+              <a:rPr lang="en-US" sz="2800" spc="50" dirty="0">
                 <a:solidFill>
                   <a:schemeClr val="bg1"/>
                 </a:solidFill>
+                <a:latin typeface="Assistant" panose="00000500000000000000" pitchFamily="2" charset="-79"/>
+                <a:cs typeface="Assistant" panose="00000500000000000000" pitchFamily="2" charset="-79"/>
               </a:rPr>
               <a:t>in excelsis Deo. </a:t>
             </a:r>
